--- a/A Novel Side Face Contour Extraction.pptx
+++ b/A Novel Side Face Contour Extraction.pptx
@@ -296,7 +296,7 @@
           <a:p>
             <a:fld id="{D33B01D1-2CAA-412D-A2DE-242B8E003412}" type="datetimeFigureOut">
               <a:rPr lang="en-US" smtClean="0"/>
-              <a:t>1/27/2018</a:t>
+              <a:t>1/30/2018</a:t>
             </a:fld>
             <a:endParaRPr lang="en-US" dirty="0"/>
           </a:p>
@@ -466,7 +466,7 @@
           <a:p>
             <a:fld id="{D33B01D1-2CAA-412D-A2DE-242B8E003412}" type="datetimeFigureOut">
               <a:rPr lang="en-US" smtClean="0"/>
-              <a:t>1/27/2018</a:t>
+              <a:t>1/30/2018</a:t>
             </a:fld>
             <a:endParaRPr lang="en-US" dirty="0"/>
           </a:p>
@@ -646,7 +646,7 @@
           <a:p>
             <a:fld id="{D33B01D1-2CAA-412D-A2DE-242B8E003412}" type="datetimeFigureOut">
               <a:rPr lang="en-US" smtClean="0"/>
-              <a:t>1/27/2018</a:t>
+              <a:t>1/30/2018</a:t>
             </a:fld>
             <a:endParaRPr lang="en-US" dirty="0"/>
           </a:p>
@@ -816,7 +816,7 @@
           <a:p>
             <a:fld id="{D33B01D1-2CAA-412D-A2DE-242B8E003412}" type="datetimeFigureOut">
               <a:rPr lang="en-US" smtClean="0"/>
-              <a:t>1/27/2018</a:t>
+              <a:t>1/30/2018</a:t>
             </a:fld>
             <a:endParaRPr lang="en-US" dirty="0"/>
           </a:p>
@@ -1062,7 +1062,7 @@
           <a:p>
             <a:fld id="{D33B01D1-2CAA-412D-A2DE-242B8E003412}" type="datetimeFigureOut">
               <a:rPr lang="en-US" smtClean="0"/>
-              <a:t>1/27/2018</a:t>
+              <a:t>1/30/2018</a:t>
             </a:fld>
             <a:endParaRPr lang="en-US" dirty="0"/>
           </a:p>
@@ -1294,7 +1294,7 @@
           <a:p>
             <a:fld id="{D33B01D1-2CAA-412D-A2DE-242B8E003412}" type="datetimeFigureOut">
               <a:rPr lang="en-US" smtClean="0"/>
-              <a:t>1/27/2018</a:t>
+              <a:t>1/30/2018</a:t>
             </a:fld>
             <a:endParaRPr lang="en-US" dirty="0"/>
           </a:p>
@@ -1661,7 +1661,7 @@
           <a:p>
             <a:fld id="{D33B01D1-2CAA-412D-A2DE-242B8E003412}" type="datetimeFigureOut">
               <a:rPr lang="en-US" smtClean="0"/>
-              <a:t>1/27/2018</a:t>
+              <a:t>1/30/2018</a:t>
             </a:fld>
             <a:endParaRPr lang="en-US" dirty="0"/>
           </a:p>
@@ -1779,7 +1779,7 @@
           <a:p>
             <a:fld id="{D33B01D1-2CAA-412D-A2DE-242B8E003412}" type="datetimeFigureOut">
               <a:rPr lang="en-US" smtClean="0"/>
-              <a:t>1/27/2018</a:t>
+              <a:t>1/30/2018</a:t>
             </a:fld>
             <a:endParaRPr lang="en-US" dirty="0"/>
           </a:p>
@@ -1874,7 +1874,7 @@
           <a:p>
             <a:fld id="{D33B01D1-2CAA-412D-A2DE-242B8E003412}" type="datetimeFigureOut">
               <a:rPr lang="en-US" smtClean="0"/>
-              <a:t>1/27/2018</a:t>
+              <a:t>1/30/2018</a:t>
             </a:fld>
             <a:endParaRPr lang="en-US" dirty="0"/>
           </a:p>
@@ -2151,7 +2151,7 @@
           <a:p>
             <a:fld id="{D33B01D1-2CAA-412D-A2DE-242B8E003412}" type="datetimeFigureOut">
               <a:rPr lang="en-US" smtClean="0"/>
-              <a:t>1/27/2018</a:t>
+              <a:t>1/30/2018</a:t>
             </a:fld>
             <a:endParaRPr lang="en-US" dirty="0"/>
           </a:p>
@@ -2404,7 +2404,7 @@
           <a:p>
             <a:fld id="{D33B01D1-2CAA-412D-A2DE-242B8E003412}" type="datetimeFigureOut">
               <a:rPr lang="en-US" smtClean="0"/>
-              <a:t>1/27/2018</a:t>
+              <a:t>1/30/2018</a:t>
             </a:fld>
             <a:endParaRPr lang="en-US" dirty="0"/>
           </a:p>
@@ -2617,7 +2617,7 @@
           <a:p>
             <a:fld id="{D33B01D1-2CAA-412D-A2DE-242B8E003412}" type="datetimeFigureOut">
               <a:rPr lang="en-US" smtClean="0"/>
-              <a:t>1/27/2018</a:t>
+              <a:t>1/30/2018</a:t>
             </a:fld>
             <a:endParaRPr lang="en-US" dirty="0"/>
           </a:p>
@@ -3034,55 +3034,34 @@
         </p:nvSpPr>
         <p:spPr>
           <a:xfrm>
-            <a:off x="1536879" y="2228045"/>
-            <a:ext cx="9144000" cy="2021983"/>
+            <a:off x="223024" y="2118732"/>
+            <a:ext cx="11708781" cy="2755765"/>
           </a:xfrm>
         </p:spPr>
         <p:txBody>
           <a:bodyPr>
-            <a:normAutofit/>
+            <a:normAutofit fontScale="90000"/>
           </a:bodyPr>
           <a:lstStyle/>
           <a:p>
+            <a:pPr>
+              <a:lnSpc>
+                <a:spcPct val="150000"/>
+              </a:lnSpc>
+            </a:pPr>
             <a:r>
               <a:rPr lang="en-US" sz="4400" dirty="0">
                 <a:latin typeface="Times New Roman" panose="02020603050405020304" pitchFamily="18" charset="0"/>
                 <a:cs typeface="Times New Roman" panose="02020603050405020304" pitchFamily="18" charset="0"/>
               </a:rPr>
-              <a:t>A Novel Side Face Contour Extraction</a:t>
-            </a:r>
-            <a:br>
-              <a:rPr lang="en-US" sz="4400" dirty="0">
-                <a:latin typeface="Times New Roman" panose="02020603050405020304" pitchFamily="18" charset="0"/>
-                <a:cs typeface="Times New Roman" panose="02020603050405020304" pitchFamily="18" charset="0"/>
-              </a:rPr>
-            </a:br>
-            <a:r>
-              <a:rPr lang="en-US" sz="4400" dirty="0">
-                <a:latin typeface="Times New Roman" panose="02020603050405020304" pitchFamily="18" charset="0"/>
-                <a:cs typeface="Times New Roman" panose="02020603050405020304" pitchFamily="18" charset="0"/>
-              </a:rPr>
-              <a:t>Algorithm for Driving Fatigue</a:t>
-            </a:r>
-            <a:br>
-              <a:rPr lang="en-US" sz="4400" dirty="0">
-                <a:latin typeface="Times New Roman" panose="02020603050405020304" pitchFamily="18" charset="0"/>
-                <a:cs typeface="Times New Roman" panose="02020603050405020304" pitchFamily="18" charset="0"/>
-              </a:rPr>
-            </a:br>
-            <a:r>
-              <a:rPr lang="en-US" sz="4400" dirty="0">
-                <a:latin typeface="Times New Roman" panose="02020603050405020304" pitchFamily="18" charset="0"/>
-                <a:cs typeface="Times New Roman" panose="02020603050405020304" pitchFamily="18" charset="0"/>
-              </a:rPr>
-              <a:t>Statue </a:t>
+              <a:t>A </a:t>
             </a:r>
             <a:r>
               <a:rPr lang="en-US" sz="4400" dirty="0" smtClean="0">
                 <a:latin typeface="Times New Roman" panose="02020603050405020304" pitchFamily="18" charset="0"/>
                 <a:cs typeface="Times New Roman" panose="02020603050405020304" pitchFamily="18" charset="0"/>
               </a:rPr>
-              <a:t>Recognition</a:t>
+              <a:t>NOVEL SIDE FACE CONTOUR EXTRACTION ALGORITHM FOR DRIVING FATIGUE STATUE RECOGNITION</a:t>
             </a:r>
             <a:endParaRPr lang="en-US" sz="4400" dirty="0">
               <a:latin typeface="Times New Roman" panose="02020603050405020304" pitchFamily="18" charset="0"/>
@@ -3507,18 +3486,54 @@
       </p:sp>
       <p:grpSp>
         <p:nvGrpSpPr>
-          <p:cNvPr id="42" name="Group 41"/>
+          <p:cNvPr id="5" name="Group 4"/>
           <p:cNvGrpSpPr/>
           <p:nvPr/>
         </p:nvGrpSpPr>
         <p:grpSpPr>
           <a:xfrm>
-            <a:off x="2420900" y="1433023"/>
-            <a:ext cx="8154415" cy="4767339"/>
-            <a:chOff x="1712562" y="1445902"/>
-            <a:chExt cx="8154415" cy="4767339"/>
+            <a:off x="600215" y="1214082"/>
+            <a:ext cx="10655920" cy="5276870"/>
+            <a:chOff x="854230" y="1471660"/>
+            <a:chExt cx="9721085" cy="4767339"/>
           </a:xfrm>
         </p:grpSpPr>
+        <p:cxnSp>
+          <p:nvCxnSpPr>
+            <p:cNvPr id="34" name="Straight Arrow Connector 33"/>
+            <p:cNvCxnSpPr/>
+            <p:nvPr/>
+          </p:nvCxnSpPr>
+          <p:spPr>
+            <a:xfrm>
+              <a:off x="8129035" y="5807468"/>
+              <a:ext cx="555241" cy="0"/>
+            </a:xfrm>
+            <a:prstGeom prst="straightConnector1">
+              <a:avLst/>
+            </a:prstGeom>
+            <a:ln>
+              <a:solidFill>
+                <a:schemeClr val="tx1"/>
+              </a:solidFill>
+              <a:tailEnd type="triangle"/>
+            </a:ln>
+          </p:spPr>
+          <p:style>
+            <a:lnRef idx="1">
+              <a:schemeClr val="accent1"/>
+            </a:lnRef>
+            <a:fillRef idx="0">
+              <a:schemeClr val="accent1"/>
+            </a:fillRef>
+            <a:effectRef idx="0">
+              <a:schemeClr val="accent1"/>
+            </a:effectRef>
+            <a:fontRef idx="minor">
+              <a:schemeClr val="tx1"/>
+            </a:fontRef>
+          </p:style>
+        </p:cxnSp>
         <p:cxnSp>
           <p:nvCxnSpPr>
             <p:cNvPr id="35" name="Straight Arrow Connector 34"/>
@@ -3527,7 +3542,7 @@
           </p:nvCxnSpPr>
           <p:spPr>
             <a:xfrm flipH="1" flipV="1">
-              <a:off x="8920006" y="5182410"/>
+              <a:off x="9628344" y="5208168"/>
               <a:ext cx="1" cy="303016"/>
             </a:xfrm>
             <a:prstGeom prst="straightConnector1">
@@ -3563,7 +3578,7 @@
           </p:nvSpPr>
           <p:spPr>
             <a:xfrm>
-              <a:off x="4277018" y="2582139"/>
+              <a:off x="4985356" y="2607897"/>
               <a:ext cx="1476779" cy="1015663"/>
             </a:xfrm>
             <a:prstGeom prst="rect">
@@ -3605,7 +3620,7 @@
           </p:nvSpPr>
           <p:spPr>
             <a:xfrm>
-              <a:off x="1712562" y="2316323"/>
+              <a:off x="2420900" y="2342081"/>
               <a:ext cx="1751527" cy="1521541"/>
             </a:xfrm>
             <a:prstGeom prst="diamond">
@@ -3669,7 +3684,7 @@
           </p:nvSpPr>
           <p:spPr>
             <a:xfrm>
-              <a:off x="8001701" y="2345877"/>
+              <a:off x="8710039" y="2371635"/>
               <a:ext cx="1854553" cy="643944"/>
             </a:xfrm>
             <a:prstGeom prst="rect">
@@ -3733,7 +3748,7 @@
           </p:nvSpPr>
           <p:spPr>
             <a:xfrm>
-              <a:off x="2118245" y="1445902"/>
+              <a:off x="2826583" y="1471660"/>
               <a:ext cx="940158" cy="412124"/>
             </a:xfrm>
             <a:prstGeom prst="roundRect">
@@ -3795,7 +3810,7 @@
           </p:nvSpPr>
           <p:spPr>
             <a:xfrm>
-              <a:off x="1979618" y="4310498"/>
+              <a:off x="2687956" y="4336256"/>
               <a:ext cx="1294578" cy="707886"/>
             </a:xfrm>
             <a:prstGeom prst="rect">
@@ -3837,7 +3852,7 @@
           </p:nvSpPr>
           <p:spPr>
             <a:xfrm>
-              <a:off x="1799590" y="5505355"/>
+              <a:off x="2507928" y="5531113"/>
               <a:ext cx="1515939" cy="707886"/>
             </a:xfrm>
             <a:prstGeom prst="rect">
@@ -3879,7 +3894,7 @@
           </p:nvSpPr>
           <p:spPr>
             <a:xfrm>
-              <a:off x="3953870" y="5491018"/>
+              <a:off x="4662208" y="5516776"/>
               <a:ext cx="1476779" cy="707886"/>
             </a:xfrm>
             <a:prstGeom prst="rect">
@@ -3921,7 +3936,7 @@
           </p:nvSpPr>
           <p:spPr>
             <a:xfrm>
-              <a:off x="6052325" y="5467880"/>
+              <a:off x="6760663" y="5493638"/>
               <a:ext cx="1369054" cy="707886"/>
             </a:xfrm>
             <a:prstGeom prst="rect">
@@ -3963,7 +3978,7 @@
           </p:nvSpPr>
           <p:spPr>
             <a:xfrm>
-              <a:off x="7975938" y="5467880"/>
+              <a:off x="8684276" y="5493638"/>
               <a:ext cx="1880316" cy="707886"/>
             </a:xfrm>
             <a:prstGeom prst="rect">
@@ -4005,7 +4020,7 @@
           </p:nvSpPr>
           <p:spPr>
             <a:xfrm>
-              <a:off x="5833501" y="4387698"/>
+              <a:off x="6541839" y="4413456"/>
               <a:ext cx="1535798" cy="707886"/>
             </a:xfrm>
             <a:prstGeom prst="rect">
@@ -4047,7 +4062,7 @@
           </p:nvSpPr>
           <p:spPr>
             <a:xfrm>
-              <a:off x="8012424" y="3375424"/>
+              <a:off x="8720762" y="3401182"/>
               <a:ext cx="1807341" cy="707886"/>
             </a:xfrm>
             <a:prstGeom prst="rect">
@@ -4089,7 +4104,7 @@
           </p:nvCxnSpPr>
           <p:spPr>
             <a:xfrm>
-              <a:off x="2588325" y="1858026"/>
+              <a:off x="3296663" y="1883784"/>
               <a:ext cx="1" cy="458297"/>
             </a:xfrm>
             <a:prstGeom prst="straightConnector1">
@@ -4125,7 +4140,7 @@
           </p:nvCxnSpPr>
           <p:spPr>
             <a:xfrm>
-              <a:off x="2588324" y="3837864"/>
+              <a:off x="3296662" y="3863622"/>
               <a:ext cx="1" cy="458297"/>
             </a:xfrm>
             <a:prstGeom prst="straightConnector1">
@@ -4161,7 +4176,7 @@
           </p:nvCxnSpPr>
           <p:spPr>
             <a:xfrm>
-              <a:off x="2588324" y="5032721"/>
+              <a:off x="3296662" y="5058479"/>
               <a:ext cx="1" cy="458297"/>
             </a:xfrm>
             <a:prstGeom prst="straightConnector1">
@@ -4197,7 +4212,7 @@
           </p:nvCxnSpPr>
           <p:spPr>
             <a:xfrm>
-              <a:off x="5422006" y="5844961"/>
+              <a:off x="6130344" y="5870719"/>
               <a:ext cx="630319" cy="0"/>
             </a:xfrm>
             <a:prstGeom prst="straightConnector1">
@@ -4233,8 +4248,8 @@
           </p:nvSpPr>
           <p:spPr>
             <a:xfrm>
-              <a:off x="1979618" y="3749332"/>
-              <a:ext cx="485518" cy="369332"/>
+              <a:off x="2687956" y="3775090"/>
+              <a:ext cx="558166" cy="400110"/>
             </a:xfrm>
             <a:prstGeom prst="rect">
               <a:avLst/>
@@ -4248,10 +4263,16 @@
             <a:lstStyle/>
             <a:p>
               <a:r>
-                <a:rPr lang="en-US" dirty="0" smtClean="0"/>
+                <a:rPr lang="en-US" sz="2000" dirty="0" smtClean="0">
+                  <a:latin typeface="Times New Roman" panose="02020603050405020304" pitchFamily="18" charset="0"/>
+                  <a:cs typeface="Times New Roman" panose="02020603050405020304" pitchFamily="18" charset="0"/>
+                </a:rPr>
                 <a:t>Yes</a:t>
               </a:r>
-              <a:endParaRPr lang="en-US" dirty="0"/>
+              <a:endParaRPr lang="en-US" sz="2000" dirty="0">
+                <a:latin typeface="Times New Roman" panose="02020603050405020304" pitchFamily="18" charset="0"/>
+                <a:cs typeface="Times New Roman" panose="02020603050405020304" pitchFamily="18" charset="0"/>
+              </a:endParaRPr>
             </a:p>
           </p:txBody>
         </p:sp>
@@ -4263,8 +4284,8 @@
           </p:nvSpPr>
           <p:spPr>
             <a:xfrm>
-              <a:off x="3483078" y="2556385"/>
-              <a:ext cx="455574" cy="369332"/>
+              <a:off x="4191416" y="2582143"/>
+              <a:ext cx="498855" cy="400110"/>
             </a:xfrm>
             <a:prstGeom prst="rect">
               <a:avLst/>
@@ -4278,10 +4299,16 @@
             <a:lstStyle/>
             <a:p>
               <a:r>
-                <a:rPr lang="en-US" dirty="0" smtClean="0"/>
+                <a:rPr lang="en-US" sz="2000" dirty="0" smtClean="0">
+                  <a:latin typeface="Times New Roman" panose="02020603050405020304" pitchFamily="18" charset="0"/>
+                  <a:cs typeface="Times New Roman" panose="02020603050405020304" pitchFamily="18" charset="0"/>
+                </a:rPr>
                 <a:t>No</a:t>
               </a:r>
-              <a:endParaRPr lang="en-US" dirty="0"/>
+              <a:endParaRPr lang="en-US" sz="2000" dirty="0">
+                <a:latin typeface="Times New Roman" panose="02020603050405020304" pitchFamily="18" charset="0"/>
+                <a:cs typeface="Times New Roman" panose="02020603050405020304" pitchFamily="18" charset="0"/>
+              </a:endParaRPr>
             </a:p>
           </p:txBody>
         </p:sp>
@@ -4293,7 +4320,7 @@
           </p:nvCxnSpPr>
           <p:spPr>
             <a:xfrm>
-              <a:off x="3464089" y="3077093"/>
+              <a:off x="4172427" y="3102851"/>
               <a:ext cx="812929" cy="0"/>
             </a:xfrm>
             <a:prstGeom prst="straightConnector1">
@@ -4329,7 +4356,7 @@
           </p:nvCxnSpPr>
           <p:spPr>
             <a:xfrm>
-              <a:off x="3309870" y="5844961"/>
+              <a:off x="4018208" y="5870719"/>
               <a:ext cx="648645" cy="0"/>
             </a:xfrm>
             <a:prstGeom prst="straightConnector1">
@@ -4359,49 +4386,13 @@
         </p:cxnSp>
         <p:cxnSp>
           <p:nvCxnSpPr>
-            <p:cNvPr id="34" name="Straight Arrow Connector 33"/>
-            <p:cNvCxnSpPr/>
-            <p:nvPr/>
-          </p:nvCxnSpPr>
-          <p:spPr>
-            <a:xfrm>
-              <a:off x="7420697" y="5820347"/>
-              <a:ext cx="555241" cy="0"/>
-            </a:xfrm>
-            <a:prstGeom prst="straightConnector1">
-              <a:avLst/>
-            </a:prstGeom>
-            <a:ln>
-              <a:solidFill>
-                <a:schemeClr val="tx1"/>
-              </a:solidFill>
-              <a:tailEnd type="triangle"/>
-            </a:ln>
-          </p:spPr>
-          <p:style>
-            <a:lnRef idx="1">
-              <a:schemeClr val="accent1"/>
-            </a:lnRef>
-            <a:fillRef idx="0">
-              <a:schemeClr val="accent1"/>
-            </a:fillRef>
-            <a:effectRef idx="0">
-              <a:schemeClr val="accent1"/>
-            </a:effectRef>
-            <a:fontRef idx="minor">
-              <a:schemeClr val="tx1"/>
-            </a:fontRef>
-          </p:style>
-        </p:cxnSp>
-        <p:cxnSp>
-          <p:nvCxnSpPr>
             <p:cNvPr id="38" name="Straight Arrow Connector 37"/>
             <p:cNvCxnSpPr/>
             <p:nvPr/>
           </p:nvCxnSpPr>
           <p:spPr>
             <a:xfrm flipV="1">
-              <a:off x="8903212" y="4067012"/>
+              <a:off x="9611550" y="4092770"/>
               <a:ext cx="0" cy="380840"/>
             </a:xfrm>
             <a:prstGeom prst="straightConnector1">
@@ -4437,7 +4428,7 @@
           </p:nvCxnSpPr>
           <p:spPr>
             <a:xfrm flipV="1">
-              <a:off x="8916094" y="2994584"/>
+              <a:off x="9624432" y="3020342"/>
               <a:ext cx="0" cy="380840"/>
             </a:xfrm>
             <a:prstGeom prst="straightConnector1">
@@ -4473,7 +4464,7 @@
           </p:nvCxnSpPr>
           <p:spPr>
             <a:xfrm flipV="1">
-              <a:off x="8898164" y="1965037"/>
+              <a:off x="9606502" y="1990795"/>
               <a:ext cx="0" cy="380840"/>
             </a:xfrm>
             <a:prstGeom prst="straightConnector1">
@@ -4509,7 +4500,7 @@
           </p:nvSpPr>
           <p:spPr>
             <a:xfrm>
-              <a:off x="8012424" y="1610014"/>
+              <a:off x="8720762" y="1635772"/>
               <a:ext cx="1854553" cy="345496"/>
             </a:xfrm>
             <a:prstGeom prst="rect">
@@ -4565,161 +4556,162 @@
             </a:p>
           </p:txBody>
         </p:sp>
+        <p:sp>
+          <p:nvSpPr>
+            <p:cNvPr id="39" name="TextBox 38"/>
+            <p:cNvSpPr txBox="1"/>
+            <p:nvPr/>
+          </p:nvSpPr>
+          <p:spPr>
+            <a:xfrm>
+              <a:off x="8763508" y="4489908"/>
+              <a:ext cx="1721848" cy="707886"/>
+            </a:xfrm>
+            <a:prstGeom prst="rect">
+              <a:avLst/>
+            </a:prstGeom>
+            <a:noFill/>
+            <a:ln>
+              <a:solidFill>
+                <a:schemeClr val="tx1"/>
+              </a:solidFill>
+            </a:ln>
+          </p:spPr>
+          <p:txBody>
+            <a:bodyPr wrap="square" rtlCol="0">
+              <a:spAutoFit/>
+            </a:bodyPr>
+            <a:lstStyle/>
+            <a:p>
+              <a:pPr algn="ctr"/>
+              <a:r>
+                <a:rPr lang="en-US" sz="2000" dirty="0" smtClean="0">
+                  <a:latin typeface="Times New Roman" panose="02020603050405020304" pitchFamily="18" charset="0"/>
+                  <a:cs typeface="Times New Roman" panose="02020603050405020304" pitchFamily="18" charset="0"/>
+                </a:rPr>
+                <a:t>Face Correction</a:t>
+              </a:r>
+              <a:endParaRPr lang="en-IN" sz="2000" dirty="0">
+                <a:latin typeface="Times New Roman" panose="02020603050405020304" pitchFamily="18" charset="0"/>
+                <a:cs typeface="Times New Roman" panose="02020603050405020304" pitchFamily="18" charset="0"/>
+              </a:endParaRPr>
+            </a:p>
+          </p:txBody>
+        </p:sp>
+        <p:cxnSp>
+          <p:nvCxnSpPr>
+            <p:cNvPr id="40" name="Straight Arrow Connector 39"/>
+            <p:cNvCxnSpPr/>
+            <p:nvPr/>
+          </p:nvCxnSpPr>
+          <p:spPr>
+            <a:xfrm>
+              <a:off x="8091666" y="4839657"/>
+              <a:ext cx="671842" cy="0"/>
+            </a:xfrm>
+            <a:prstGeom prst="straightConnector1">
+              <a:avLst/>
+            </a:prstGeom>
+            <a:ln>
+              <a:solidFill>
+                <a:schemeClr val="tx1"/>
+              </a:solidFill>
+              <a:tailEnd type="triangle"/>
+            </a:ln>
+          </p:spPr>
+          <p:style>
+            <a:lnRef idx="1">
+              <a:schemeClr val="accent1"/>
+            </a:lnRef>
+            <a:fillRef idx="0">
+              <a:schemeClr val="accent1"/>
+            </a:fillRef>
+            <a:effectRef idx="0">
+              <a:schemeClr val="accent1"/>
+            </a:effectRef>
+            <a:fontRef idx="minor">
+              <a:schemeClr val="tx1"/>
+            </a:fontRef>
+          </p:style>
+        </p:cxnSp>
+        <p:sp>
+          <p:nvSpPr>
+            <p:cNvPr id="43" name="TextBox 42"/>
+            <p:cNvSpPr txBox="1"/>
+            <p:nvPr/>
+          </p:nvSpPr>
+          <p:spPr>
+            <a:xfrm>
+              <a:off x="854230" y="2783085"/>
+              <a:ext cx="1042853" cy="639533"/>
+            </a:xfrm>
+            <a:prstGeom prst="rect">
+              <a:avLst/>
+            </a:prstGeom>
+            <a:noFill/>
+            <a:ln>
+              <a:solidFill>
+                <a:schemeClr val="tx1"/>
+              </a:solidFill>
+            </a:ln>
+          </p:spPr>
+          <p:txBody>
+            <a:bodyPr wrap="square" rtlCol="0">
+              <a:spAutoFit/>
+            </a:bodyPr>
+            <a:lstStyle/>
+            <a:p>
+              <a:pPr algn="ctr"/>
+              <a:r>
+                <a:rPr lang="en-US" sz="2000" dirty="0" smtClean="0">
+                  <a:latin typeface="Times New Roman" panose="02020603050405020304" pitchFamily="18" charset="0"/>
+                  <a:cs typeface="Times New Roman" panose="02020603050405020304" pitchFamily="18" charset="0"/>
+                </a:rPr>
+                <a:t>Load a Dataset</a:t>
+              </a:r>
+            </a:p>
+          </p:txBody>
+        </p:sp>
+        <p:cxnSp>
+          <p:nvCxnSpPr>
+            <p:cNvPr id="44" name="Straight Arrow Connector 43"/>
+            <p:cNvCxnSpPr>
+              <a:stCxn id="43" idx="3"/>
+              <a:endCxn id="4" idx="1"/>
+            </p:cNvCxnSpPr>
+            <p:nvPr/>
+          </p:nvCxnSpPr>
+          <p:spPr>
+            <a:xfrm>
+              <a:off x="1897083" y="3102852"/>
+              <a:ext cx="523817" cy="0"/>
+            </a:xfrm>
+            <a:prstGeom prst="straightConnector1">
+              <a:avLst/>
+            </a:prstGeom>
+            <a:ln>
+              <a:solidFill>
+                <a:schemeClr val="tx1"/>
+              </a:solidFill>
+              <a:tailEnd type="triangle"/>
+            </a:ln>
+          </p:spPr>
+          <p:style>
+            <a:lnRef idx="1">
+              <a:schemeClr val="accent1"/>
+            </a:lnRef>
+            <a:fillRef idx="0">
+              <a:schemeClr val="accent1"/>
+            </a:fillRef>
+            <a:effectRef idx="0">
+              <a:schemeClr val="accent1"/>
+            </a:effectRef>
+            <a:fontRef idx="minor">
+              <a:schemeClr val="tx1"/>
+            </a:fontRef>
+          </p:style>
+        </p:cxnSp>
       </p:grpSp>
-      <p:sp>
-        <p:nvSpPr>
-          <p:cNvPr id="39" name="TextBox 38"/>
-          <p:cNvSpPr txBox="1"/>
-          <p:nvPr/>
-        </p:nvSpPr>
-        <p:spPr>
-          <a:xfrm>
-            <a:off x="8763508" y="4451271"/>
-            <a:ext cx="1721848" cy="707886"/>
-          </a:xfrm>
-          <a:prstGeom prst="rect">
-            <a:avLst/>
-          </a:prstGeom>
-          <a:noFill/>
-          <a:ln>
-            <a:solidFill>
-              <a:schemeClr val="tx1"/>
-            </a:solidFill>
-          </a:ln>
-        </p:spPr>
-        <p:txBody>
-          <a:bodyPr wrap="square" rtlCol="0">
-            <a:spAutoFit/>
-          </a:bodyPr>
-          <a:lstStyle/>
-          <a:p>
-            <a:pPr algn="ctr"/>
-            <a:r>
-              <a:rPr lang="en-US" sz="2000" dirty="0" smtClean="0">
-                <a:latin typeface="Times New Roman" panose="02020603050405020304" pitchFamily="18" charset="0"/>
-                <a:cs typeface="Times New Roman" panose="02020603050405020304" pitchFamily="18" charset="0"/>
-              </a:rPr>
-              <a:t>Face Correction</a:t>
-            </a:r>
-            <a:endParaRPr lang="en-IN" sz="2000" dirty="0">
-              <a:latin typeface="Times New Roman" panose="02020603050405020304" pitchFamily="18" charset="0"/>
-              <a:cs typeface="Times New Roman" panose="02020603050405020304" pitchFamily="18" charset="0"/>
-            </a:endParaRPr>
-          </a:p>
-        </p:txBody>
-      </p:sp>
-      <p:cxnSp>
-        <p:nvCxnSpPr>
-          <p:cNvPr id="40" name="Straight Arrow Connector 39"/>
-          <p:cNvCxnSpPr/>
-          <p:nvPr/>
-        </p:nvCxnSpPr>
-        <p:spPr>
-          <a:xfrm>
-            <a:off x="8091666" y="4801020"/>
-            <a:ext cx="671842" cy="0"/>
-          </a:xfrm>
-          <a:prstGeom prst="straightConnector1">
-            <a:avLst/>
-          </a:prstGeom>
-          <a:ln>
-            <a:solidFill>
-              <a:schemeClr val="tx1"/>
-            </a:solidFill>
-            <a:tailEnd type="triangle"/>
-          </a:ln>
-        </p:spPr>
-        <p:style>
-          <a:lnRef idx="1">
-            <a:schemeClr val="accent1"/>
-          </a:lnRef>
-          <a:fillRef idx="0">
-            <a:schemeClr val="accent1"/>
-          </a:fillRef>
-          <a:effectRef idx="0">
-            <a:schemeClr val="accent1"/>
-          </a:effectRef>
-          <a:fontRef idx="minor">
-            <a:schemeClr val="tx1"/>
-          </a:fontRef>
-        </p:style>
-      </p:cxnSp>
-      <p:sp>
-        <p:nvSpPr>
-          <p:cNvPr id="43" name="TextBox 42"/>
-          <p:cNvSpPr txBox="1"/>
-          <p:nvPr/>
-        </p:nvSpPr>
-        <p:spPr>
-          <a:xfrm>
-            <a:off x="847126" y="2864159"/>
-            <a:ext cx="1042853" cy="400110"/>
-          </a:xfrm>
-          <a:prstGeom prst="rect">
-            <a:avLst/>
-          </a:prstGeom>
-          <a:noFill/>
-          <a:ln>
-            <a:solidFill>
-              <a:schemeClr val="tx1"/>
-            </a:solidFill>
-          </a:ln>
-        </p:spPr>
-        <p:txBody>
-          <a:bodyPr wrap="square" rtlCol="0">
-            <a:spAutoFit/>
-          </a:bodyPr>
-          <a:lstStyle/>
-          <a:p>
-            <a:pPr algn="ctr"/>
-            <a:r>
-              <a:rPr lang="en-US" sz="2000" dirty="0" smtClean="0">
-                <a:latin typeface="Times New Roman" panose="02020603050405020304" pitchFamily="18" charset="0"/>
-                <a:cs typeface="Times New Roman" panose="02020603050405020304" pitchFamily="18" charset="0"/>
-              </a:rPr>
-              <a:t>Dataset</a:t>
-            </a:r>
-          </a:p>
-        </p:txBody>
-      </p:sp>
-      <p:cxnSp>
-        <p:nvCxnSpPr>
-          <p:cNvPr id="44" name="Straight Arrow Connector 43"/>
-          <p:cNvCxnSpPr>
-            <a:stCxn id="43" idx="3"/>
-          </p:cNvCxnSpPr>
-          <p:nvPr/>
-        </p:nvCxnSpPr>
-        <p:spPr>
-          <a:xfrm>
-            <a:off x="1889979" y="3064214"/>
-            <a:ext cx="530921" cy="0"/>
-          </a:xfrm>
-          <a:prstGeom prst="straightConnector1">
-            <a:avLst/>
-          </a:prstGeom>
-          <a:ln>
-            <a:solidFill>
-              <a:schemeClr val="tx1"/>
-            </a:solidFill>
-            <a:tailEnd type="triangle"/>
-          </a:ln>
-        </p:spPr>
-        <p:style>
-          <a:lnRef idx="1">
-            <a:schemeClr val="accent1"/>
-          </a:lnRef>
-          <a:fillRef idx="0">
-            <a:schemeClr val="accent1"/>
-          </a:fillRef>
-          <a:effectRef idx="0">
-            <a:schemeClr val="accent1"/>
-          </a:effectRef>
-          <a:fontRef idx="minor">
-            <a:schemeClr val="tx1"/>
-          </a:fontRef>
-        </p:style>
-      </p:cxnSp>
     </p:spTree>
     <p:extLst>
       <p:ext uri="{BB962C8B-B14F-4D97-AF65-F5344CB8AC3E}">
@@ -6930,718 +6922,733 @@
           </a:p>
         </p:txBody>
       </p:sp>
-      <p:sp>
-        <p:nvSpPr>
-          <p:cNvPr id="4" name="Oval 3"/>
-          <p:cNvSpPr/>
+      <p:grpSp>
+        <p:nvGrpSpPr>
+          <p:cNvPr id="3" name="Group 2"/>
+          <p:cNvGrpSpPr/>
           <p:nvPr/>
-        </p:nvSpPr>
-        <p:spPr>
+        </p:nvGrpSpPr>
+        <p:grpSpPr>
           <a:xfrm>
-            <a:off x="5947131" y="1249250"/>
-            <a:ext cx="2952169" cy="658295"/>
+            <a:off x="1841810" y="1316157"/>
+            <a:ext cx="8061100" cy="5112912"/>
+            <a:chOff x="838200" y="1249250"/>
+            <a:chExt cx="8061100" cy="5112912"/>
           </a:xfrm>
-          <a:prstGeom prst="ellipse">
-            <a:avLst/>
-          </a:prstGeom>
-          <a:solidFill>
-            <a:schemeClr val="bg1"/>
-          </a:solidFill>
-          <a:ln>
+        </p:grpSpPr>
+        <p:sp>
+          <p:nvSpPr>
+            <p:cNvPr id="4" name="Oval 3"/>
+            <p:cNvSpPr/>
+            <p:nvPr/>
+          </p:nvSpPr>
+          <p:spPr>
+            <a:xfrm>
+              <a:off x="5947131" y="1249250"/>
+              <a:ext cx="2952169" cy="658295"/>
+            </a:xfrm>
+            <a:prstGeom prst="ellipse">
+              <a:avLst/>
+            </a:prstGeom>
             <a:solidFill>
+              <a:schemeClr val="bg1"/>
+            </a:solidFill>
+            <a:ln>
+              <a:solidFill>
+                <a:schemeClr val="tx1"/>
+              </a:solidFill>
+            </a:ln>
+          </p:spPr>
+          <p:style>
+            <a:lnRef idx="2">
+              <a:schemeClr val="accent1">
+                <a:shade val="50000"/>
+              </a:schemeClr>
+            </a:lnRef>
+            <a:fillRef idx="1">
+              <a:schemeClr val="accent1"/>
+            </a:fillRef>
+            <a:effectRef idx="0">
+              <a:schemeClr val="accent1"/>
+            </a:effectRef>
+            <a:fontRef idx="minor">
+              <a:schemeClr val="lt1"/>
+            </a:fontRef>
+          </p:style>
+          <p:txBody>
+            <a:bodyPr rot="0" spcFirstLastPara="0" vertOverflow="overflow" horzOverflow="overflow" vert="horz" wrap="square" lIns="91440" tIns="45720" rIns="91440" bIns="45720" numCol="1" spcCol="0" rtlCol="0" fromWordArt="0" anchor="ctr" anchorCtr="0" forceAA="0" compatLnSpc="1">
+              <a:prstTxWarp prst="textNoShape">
+                <a:avLst/>
+              </a:prstTxWarp>
+              <a:noAutofit/>
+            </a:bodyPr>
+            <a:lstStyle/>
+            <a:p>
+              <a:pPr algn="ctr"/>
+              <a:r>
+                <a:rPr lang="en-US" sz="2000" dirty="0" smtClean="0">
+                  <a:solidFill>
+                    <a:schemeClr val="tx1"/>
+                  </a:solidFill>
+                  <a:latin typeface="Times New Roman" panose="02020603050405020304" pitchFamily="18" charset="0"/>
+                  <a:cs typeface="Times New Roman" panose="02020603050405020304" pitchFamily="18" charset="0"/>
+                </a:rPr>
+                <a:t>Read an Image</a:t>
+              </a:r>
+            </a:p>
+          </p:txBody>
+        </p:sp>
+        <p:sp>
+          <p:nvSpPr>
+            <p:cNvPr id="5" name="Oval 4"/>
+            <p:cNvSpPr/>
+            <p:nvPr/>
+          </p:nvSpPr>
+          <p:spPr>
+            <a:xfrm>
+              <a:off x="5947127" y="2236694"/>
+              <a:ext cx="2952169" cy="789623"/>
+            </a:xfrm>
+            <a:prstGeom prst="ellipse">
+              <a:avLst/>
+            </a:prstGeom>
+            <a:solidFill>
+              <a:schemeClr val="bg1"/>
+            </a:solidFill>
+            <a:ln>
+              <a:solidFill>
+                <a:schemeClr val="tx1"/>
+              </a:solidFill>
+            </a:ln>
+          </p:spPr>
+          <p:style>
+            <a:lnRef idx="2">
+              <a:schemeClr val="accent1">
+                <a:shade val="50000"/>
+              </a:schemeClr>
+            </a:lnRef>
+            <a:fillRef idx="1">
+              <a:schemeClr val="accent1"/>
+            </a:fillRef>
+            <a:effectRef idx="0">
+              <a:schemeClr val="accent1"/>
+            </a:effectRef>
+            <a:fontRef idx="minor">
+              <a:schemeClr val="lt1"/>
+            </a:fontRef>
+          </p:style>
+          <p:txBody>
+            <a:bodyPr rot="0" spcFirstLastPara="0" vertOverflow="overflow" horzOverflow="overflow" vert="horz" wrap="square" lIns="91440" tIns="45720" rIns="91440" bIns="45720" numCol="1" spcCol="0" rtlCol="0" fromWordArt="0" anchor="ctr" anchorCtr="0" forceAA="0" compatLnSpc="1">
+              <a:prstTxWarp prst="textNoShape">
+                <a:avLst/>
+              </a:prstTxWarp>
+              <a:noAutofit/>
+            </a:bodyPr>
+            <a:lstStyle/>
+            <a:p>
+              <a:pPr algn="ctr"/>
+              <a:r>
+                <a:rPr lang="en-US" sz="2000" dirty="0" smtClean="0">
+                  <a:solidFill>
+                    <a:schemeClr val="tx1"/>
+                  </a:solidFill>
+                  <a:latin typeface="Times New Roman" panose="02020603050405020304" pitchFamily="18" charset="0"/>
+                  <a:cs typeface="Times New Roman" panose="02020603050405020304" pitchFamily="18" charset="0"/>
+                </a:rPr>
+                <a:t>Basic Extraction</a:t>
+              </a:r>
+            </a:p>
+          </p:txBody>
+        </p:sp>
+        <p:sp>
+          <p:nvSpPr>
+            <p:cNvPr id="7" name="Oval 6"/>
+            <p:cNvSpPr/>
+            <p:nvPr/>
+          </p:nvSpPr>
+          <p:spPr>
+            <a:xfrm>
+              <a:off x="5947124" y="3423829"/>
+              <a:ext cx="2952169" cy="637957"/>
+            </a:xfrm>
+            <a:prstGeom prst="ellipse">
+              <a:avLst/>
+            </a:prstGeom>
+            <a:solidFill>
+              <a:schemeClr val="bg1"/>
+            </a:solidFill>
+            <a:ln>
+              <a:solidFill>
+                <a:schemeClr val="tx1"/>
+              </a:solidFill>
+            </a:ln>
+          </p:spPr>
+          <p:style>
+            <a:lnRef idx="2">
+              <a:schemeClr val="accent1">
+                <a:shade val="50000"/>
+              </a:schemeClr>
+            </a:lnRef>
+            <a:fillRef idx="1">
+              <a:schemeClr val="accent1"/>
+            </a:fillRef>
+            <a:effectRef idx="0">
+              <a:schemeClr val="accent1"/>
+            </a:effectRef>
+            <a:fontRef idx="minor">
+              <a:schemeClr val="lt1"/>
+            </a:fontRef>
+          </p:style>
+          <p:txBody>
+            <a:bodyPr rot="0" spcFirstLastPara="0" vertOverflow="overflow" horzOverflow="overflow" vert="horz" wrap="square" lIns="91440" tIns="45720" rIns="91440" bIns="45720" numCol="1" spcCol="0" rtlCol="0" fromWordArt="0" anchor="ctr" anchorCtr="0" forceAA="0" compatLnSpc="1">
+              <a:prstTxWarp prst="textNoShape">
+                <a:avLst/>
+              </a:prstTxWarp>
+              <a:noAutofit/>
+            </a:bodyPr>
+            <a:lstStyle/>
+            <a:p>
+              <a:pPr algn="ctr"/>
+              <a:r>
+                <a:rPr lang="en-US" sz="2000" dirty="0" smtClean="0">
+                  <a:solidFill>
+                    <a:schemeClr val="tx1"/>
+                  </a:solidFill>
+                  <a:latin typeface="Times New Roman" panose="02020603050405020304" pitchFamily="18" charset="0"/>
+                  <a:cs typeface="Times New Roman" panose="02020603050405020304" pitchFamily="18" charset="0"/>
+                </a:rPr>
+                <a:t>Face Correction</a:t>
+              </a:r>
+            </a:p>
+          </p:txBody>
+        </p:sp>
+        <p:cxnSp>
+          <p:nvCxnSpPr>
+            <p:cNvPr id="9" name="Straight Arrow Connector 8"/>
+            <p:cNvCxnSpPr>
+              <a:stCxn id="4" idx="4"/>
+              <a:endCxn id="5" idx="0"/>
+            </p:cNvCxnSpPr>
+            <p:nvPr/>
+          </p:nvCxnSpPr>
+          <p:spPr>
+            <a:xfrm flipH="1">
+              <a:off x="7423214" y="1907545"/>
+              <a:ext cx="2" cy="329148"/>
+            </a:xfrm>
+            <a:prstGeom prst="straightConnector1">
+              <a:avLst/>
+            </a:prstGeom>
+            <a:ln>
+              <a:solidFill>
+                <a:schemeClr val="tx1"/>
+              </a:solidFill>
+              <a:tailEnd type="triangle"/>
+            </a:ln>
+          </p:spPr>
+          <p:style>
+            <a:lnRef idx="1">
+              <a:schemeClr val="accent1"/>
+            </a:lnRef>
+            <a:fillRef idx="0">
+              <a:schemeClr val="accent1"/>
+            </a:fillRef>
+            <a:effectRef idx="0">
+              <a:schemeClr val="accent1"/>
+            </a:effectRef>
+            <a:fontRef idx="minor">
               <a:schemeClr val="tx1"/>
+            </a:fontRef>
+          </p:style>
+        </p:cxnSp>
+        <p:cxnSp>
+          <p:nvCxnSpPr>
+            <p:cNvPr id="11" name="Straight Arrow Connector 10"/>
+            <p:cNvCxnSpPr/>
+            <p:nvPr/>
+          </p:nvCxnSpPr>
+          <p:spPr>
+            <a:xfrm>
+              <a:off x="7435925" y="3026315"/>
+              <a:ext cx="0" cy="356369"/>
+            </a:xfrm>
+            <a:prstGeom prst="straightConnector1">
+              <a:avLst/>
+            </a:prstGeom>
+            <a:ln>
+              <a:solidFill>
+                <a:schemeClr val="tx1"/>
+              </a:solidFill>
+              <a:tailEnd type="triangle"/>
+            </a:ln>
+          </p:spPr>
+          <p:style>
+            <a:lnRef idx="1">
+              <a:schemeClr val="accent1"/>
+            </a:lnRef>
+            <a:fillRef idx="0">
+              <a:schemeClr val="accent1"/>
+            </a:fillRef>
+            <a:effectRef idx="0">
+              <a:schemeClr val="accent1"/>
+            </a:effectRef>
+            <a:fontRef idx="minor">
+              <a:schemeClr val="tx1"/>
+            </a:fontRef>
+          </p:style>
+        </p:cxnSp>
+        <p:sp>
+          <p:nvSpPr>
+            <p:cNvPr id="12" name="Rounded Rectangle 11"/>
+            <p:cNvSpPr/>
+            <p:nvPr/>
+          </p:nvSpPr>
+          <p:spPr>
+            <a:xfrm>
+              <a:off x="838200" y="3382684"/>
+              <a:ext cx="2372280" cy="901856"/>
+            </a:xfrm>
+            <a:prstGeom prst="roundRect">
+              <a:avLst/>
+            </a:prstGeom>
+            <a:solidFill>
+              <a:schemeClr val="bg1"/>
             </a:solidFill>
-          </a:ln>
-        </p:spPr>
-        <p:style>
-          <a:lnRef idx="2">
-            <a:schemeClr val="accent1">
-              <a:shade val="50000"/>
-            </a:schemeClr>
-          </a:lnRef>
-          <a:fillRef idx="1">
-            <a:schemeClr val="accent1"/>
-          </a:fillRef>
-          <a:effectRef idx="0">
-            <a:schemeClr val="accent1"/>
-          </a:effectRef>
-          <a:fontRef idx="minor">
-            <a:schemeClr val="lt1"/>
-          </a:fontRef>
-        </p:style>
-        <p:txBody>
-          <a:bodyPr rot="0" spcFirstLastPara="0" vertOverflow="overflow" horzOverflow="overflow" vert="horz" wrap="square" lIns="91440" tIns="45720" rIns="91440" bIns="45720" numCol="1" spcCol="0" rtlCol="0" fromWordArt="0" anchor="ctr" anchorCtr="0" forceAA="0" compatLnSpc="1">
-            <a:prstTxWarp prst="textNoShape">
+            <a:ln>
+              <a:solidFill>
+                <a:schemeClr val="tx1"/>
+              </a:solidFill>
+            </a:ln>
+          </p:spPr>
+          <p:style>
+            <a:lnRef idx="2">
+              <a:schemeClr val="accent1">
+                <a:shade val="50000"/>
+              </a:schemeClr>
+            </a:lnRef>
+            <a:fillRef idx="1">
+              <a:schemeClr val="accent1"/>
+            </a:fillRef>
+            <a:effectRef idx="0">
+              <a:schemeClr val="accent1"/>
+            </a:effectRef>
+            <a:fontRef idx="minor">
+              <a:schemeClr val="lt1"/>
+            </a:fontRef>
+          </p:style>
+          <p:txBody>
+            <a:bodyPr rot="0" spcFirstLastPara="0" vertOverflow="overflow" horzOverflow="overflow" vert="horz" wrap="square" lIns="91440" tIns="45720" rIns="91440" bIns="45720" numCol="1" spcCol="0" rtlCol="0" fromWordArt="0" anchor="ctr" anchorCtr="0" forceAA="0" compatLnSpc="1">
+              <a:prstTxWarp prst="textNoShape">
+                <a:avLst/>
+              </a:prstTxWarp>
+              <a:noAutofit/>
+            </a:bodyPr>
+            <a:lstStyle/>
+            <a:p>
+              <a:pPr algn="ctr"/>
+              <a:r>
+                <a:rPr lang="en-US" sz="2000" dirty="0" smtClean="0">
+                  <a:solidFill>
+                    <a:schemeClr val="tx1"/>
+                  </a:solidFill>
+                  <a:latin typeface="Times New Roman" panose="02020603050405020304" pitchFamily="18" charset="0"/>
+                  <a:cs typeface="Times New Roman" panose="02020603050405020304" pitchFamily="18" charset="0"/>
+                </a:rPr>
+                <a:t>Input</a:t>
+              </a:r>
+            </a:p>
+          </p:txBody>
+        </p:sp>
+        <p:sp>
+          <p:nvSpPr>
+            <p:cNvPr id="38" name="Oval 37"/>
+            <p:cNvSpPr/>
+            <p:nvPr/>
+          </p:nvSpPr>
+          <p:spPr>
+            <a:xfrm>
+              <a:off x="5947123" y="4567084"/>
+              <a:ext cx="2952169" cy="631487"/>
+            </a:xfrm>
+            <a:prstGeom prst="ellipse">
               <a:avLst/>
-            </a:prstTxWarp>
-            <a:noAutofit/>
-          </a:bodyPr>
-          <a:lstStyle/>
-          <a:p>
-            <a:pPr algn="ctr"/>
-            <a:r>
-              <a:rPr lang="en-US" sz="2000" dirty="0" smtClean="0">
-                <a:solidFill>
-                  <a:schemeClr val="tx1"/>
-                </a:solidFill>
-                <a:latin typeface="Times New Roman" panose="02020603050405020304" pitchFamily="18" charset="0"/>
-                <a:cs typeface="Times New Roman" panose="02020603050405020304" pitchFamily="18" charset="0"/>
-              </a:rPr>
-              <a:t>Read an Image</a:t>
-            </a:r>
-          </a:p>
-        </p:txBody>
-      </p:sp>
-      <p:sp>
-        <p:nvSpPr>
-          <p:cNvPr id="5" name="Oval 4"/>
-          <p:cNvSpPr/>
-          <p:nvPr/>
-        </p:nvSpPr>
-        <p:spPr>
-          <a:xfrm>
-            <a:off x="5947127" y="2236694"/>
-            <a:ext cx="2952169" cy="789623"/>
-          </a:xfrm>
-          <a:prstGeom prst="ellipse">
-            <a:avLst/>
-          </a:prstGeom>
-          <a:solidFill>
-            <a:schemeClr val="bg1"/>
-          </a:solidFill>
-          <a:ln>
+            </a:prstGeom>
             <a:solidFill>
+              <a:schemeClr val="bg1"/>
+            </a:solidFill>
+            <a:ln>
+              <a:solidFill>
+                <a:schemeClr val="tx1"/>
+              </a:solidFill>
+            </a:ln>
+          </p:spPr>
+          <p:style>
+            <a:lnRef idx="2">
+              <a:schemeClr val="accent1">
+                <a:shade val="50000"/>
+              </a:schemeClr>
+            </a:lnRef>
+            <a:fillRef idx="1">
+              <a:schemeClr val="accent1"/>
+            </a:fillRef>
+            <a:effectRef idx="0">
+              <a:schemeClr val="accent1"/>
+            </a:effectRef>
+            <a:fontRef idx="minor">
+              <a:schemeClr val="lt1"/>
+            </a:fontRef>
+          </p:style>
+          <p:txBody>
+            <a:bodyPr rot="0" spcFirstLastPara="0" vertOverflow="overflow" horzOverflow="overflow" vert="horz" wrap="square" lIns="91440" tIns="45720" rIns="91440" bIns="45720" numCol="1" spcCol="0" rtlCol="0" fromWordArt="0" anchor="ctr" anchorCtr="0" forceAA="0" compatLnSpc="1">
+              <a:prstTxWarp prst="textNoShape">
+                <a:avLst/>
+              </a:prstTxWarp>
+              <a:noAutofit/>
+            </a:bodyPr>
+            <a:lstStyle/>
+            <a:p>
+              <a:pPr algn="ctr"/>
+              <a:r>
+                <a:rPr lang="en-US" sz="2000" dirty="0" smtClean="0">
+                  <a:solidFill>
+                    <a:schemeClr val="tx1"/>
+                  </a:solidFill>
+                  <a:latin typeface="Times New Roman" panose="02020603050405020304" pitchFamily="18" charset="0"/>
+                  <a:cs typeface="Times New Roman" panose="02020603050405020304" pitchFamily="18" charset="0"/>
+                </a:rPr>
+                <a:t>Contour Line Extraction</a:t>
+              </a:r>
+            </a:p>
+          </p:txBody>
+        </p:sp>
+        <p:cxnSp>
+          <p:nvCxnSpPr>
+            <p:cNvPr id="52" name="Straight Arrow Connector 51"/>
+            <p:cNvCxnSpPr/>
+            <p:nvPr/>
+          </p:nvCxnSpPr>
+          <p:spPr>
+            <a:xfrm>
+              <a:off x="7423207" y="4092757"/>
+              <a:ext cx="0" cy="474327"/>
+            </a:xfrm>
+            <a:prstGeom prst="straightConnector1">
+              <a:avLst/>
+            </a:prstGeom>
+            <a:ln>
+              <a:solidFill>
+                <a:schemeClr val="tx1"/>
+              </a:solidFill>
+              <a:tailEnd type="triangle"/>
+            </a:ln>
+          </p:spPr>
+          <p:style>
+            <a:lnRef idx="1">
+              <a:schemeClr val="accent1"/>
+            </a:lnRef>
+            <a:fillRef idx="0">
+              <a:schemeClr val="accent1"/>
+            </a:fillRef>
+            <a:effectRef idx="0">
+              <a:schemeClr val="accent1"/>
+            </a:effectRef>
+            <a:fontRef idx="minor">
               <a:schemeClr val="tx1"/>
+            </a:fontRef>
+          </p:style>
+        </p:cxnSp>
+        <p:sp>
+          <p:nvSpPr>
+            <p:cNvPr id="18" name="Oval 17"/>
+            <p:cNvSpPr/>
+            <p:nvPr/>
+          </p:nvSpPr>
+          <p:spPr>
+            <a:xfrm>
+              <a:off x="5947126" y="5703867"/>
+              <a:ext cx="2952169" cy="658295"/>
+            </a:xfrm>
+            <a:prstGeom prst="ellipse">
+              <a:avLst/>
+            </a:prstGeom>
+            <a:solidFill>
+              <a:schemeClr val="bg1"/>
             </a:solidFill>
-          </a:ln>
-        </p:spPr>
-        <p:style>
-          <a:lnRef idx="2">
-            <a:schemeClr val="accent1">
-              <a:shade val="50000"/>
-            </a:schemeClr>
-          </a:lnRef>
-          <a:fillRef idx="1">
-            <a:schemeClr val="accent1"/>
-          </a:fillRef>
-          <a:effectRef idx="0">
-            <a:schemeClr val="accent1"/>
-          </a:effectRef>
-          <a:fontRef idx="minor">
-            <a:schemeClr val="lt1"/>
-          </a:fontRef>
-        </p:style>
-        <p:txBody>
-          <a:bodyPr rot="0" spcFirstLastPara="0" vertOverflow="overflow" horzOverflow="overflow" vert="horz" wrap="square" lIns="91440" tIns="45720" rIns="91440" bIns="45720" numCol="1" spcCol="0" rtlCol="0" fromWordArt="0" anchor="ctr" anchorCtr="0" forceAA="0" compatLnSpc="1">
-            <a:prstTxWarp prst="textNoShape">
+            <a:ln>
+              <a:solidFill>
+                <a:schemeClr val="tx1"/>
+              </a:solidFill>
+            </a:ln>
+          </p:spPr>
+          <p:style>
+            <a:lnRef idx="2">
+              <a:schemeClr val="accent1">
+                <a:shade val="50000"/>
+              </a:schemeClr>
+            </a:lnRef>
+            <a:fillRef idx="1">
+              <a:schemeClr val="accent1"/>
+            </a:fillRef>
+            <a:effectRef idx="0">
+              <a:schemeClr val="accent1"/>
+            </a:effectRef>
+            <a:fontRef idx="minor">
+              <a:schemeClr val="lt1"/>
+            </a:fontRef>
+          </p:style>
+          <p:txBody>
+            <a:bodyPr rot="0" spcFirstLastPara="0" vertOverflow="overflow" horzOverflow="overflow" vert="horz" wrap="square" lIns="91440" tIns="45720" rIns="91440" bIns="45720" numCol="1" spcCol="0" rtlCol="0" fromWordArt="0" anchor="ctr" anchorCtr="0" forceAA="0" compatLnSpc="1">
+              <a:prstTxWarp prst="textNoShape">
+                <a:avLst/>
+              </a:prstTxWarp>
+              <a:noAutofit/>
+            </a:bodyPr>
+            <a:lstStyle/>
+            <a:p>
+              <a:pPr algn="ctr"/>
+              <a:r>
+                <a:rPr lang="en-US" sz="2000" dirty="0" smtClean="0">
+                  <a:solidFill>
+                    <a:schemeClr val="tx1"/>
+                  </a:solidFill>
+                  <a:latin typeface="Times New Roman" panose="02020603050405020304" pitchFamily="18" charset="0"/>
+                  <a:cs typeface="Times New Roman" panose="02020603050405020304" pitchFamily="18" charset="0"/>
+                </a:rPr>
+                <a:t>Validation</a:t>
+              </a:r>
+            </a:p>
+          </p:txBody>
+        </p:sp>
+        <p:cxnSp>
+          <p:nvCxnSpPr>
+            <p:cNvPr id="19" name="Straight Arrow Connector 18"/>
+            <p:cNvCxnSpPr/>
+            <p:nvPr/>
+          </p:nvCxnSpPr>
+          <p:spPr>
+            <a:xfrm>
+              <a:off x="7423208" y="5211797"/>
+              <a:ext cx="0" cy="515501"/>
+            </a:xfrm>
+            <a:prstGeom prst="straightConnector1">
               <a:avLst/>
-            </a:prstTxWarp>
-            <a:noAutofit/>
-          </a:bodyPr>
-          <a:lstStyle/>
-          <a:p>
-            <a:pPr algn="ctr"/>
-            <a:r>
-              <a:rPr lang="en-US" sz="2000" dirty="0" smtClean="0">
-                <a:solidFill>
-                  <a:schemeClr val="tx1"/>
-                </a:solidFill>
-                <a:latin typeface="Times New Roman" panose="02020603050405020304" pitchFamily="18" charset="0"/>
-                <a:cs typeface="Times New Roman" panose="02020603050405020304" pitchFamily="18" charset="0"/>
-              </a:rPr>
-              <a:t>Basic Extraction</a:t>
-            </a:r>
-          </a:p>
-        </p:txBody>
-      </p:sp>
-      <p:sp>
-        <p:nvSpPr>
-          <p:cNvPr id="7" name="Oval 6"/>
-          <p:cNvSpPr/>
-          <p:nvPr/>
-        </p:nvSpPr>
-        <p:spPr>
-          <a:xfrm>
-            <a:off x="5947124" y="3423829"/>
-            <a:ext cx="2952169" cy="637957"/>
-          </a:xfrm>
-          <a:prstGeom prst="ellipse">
-            <a:avLst/>
-          </a:prstGeom>
-          <a:solidFill>
-            <a:schemeClr val="bg1"/>
-          </a:solidFill>
-          <a:ln>
-            <a:solidFill>
+            </a:prstGeom>
+            <a:ln>
+              <a:solidFill>
+                <a:schemeClr val="tx1"/>
+              </a:solidFill>
+              <a:tailEnd type="triangle"/>
+            </a:ln>
+          </p:spPr>
+          <p:style>
+            <a:lnRef idx="1">
+              <a:schemeClr val="accent1"/>
+            </a:lnRef>
+            <a:fillRef idx="0">
+              <a:schemeClr val="accent1"/>
+            </a:fillRef>
+            <a:effectRef idx="0">
+              <a:schemeClr val="accent1"/>
+            </a:effectRef>
+            <a:fontRef idx="minor">
               <a:schemeClr val="tx1"/>
-            </a:solidFill>
-          </a:ln>
-        </p:spPr>
-        <p:style>
-          <a:lnRef idx="2">
-            <a:schemeClr val="accent1">
-              <a:shade val="50000"/>
-            </a:schemeClr>
-          </a:lnRef>
-          <a:fillRef idx="1">
-            <a:schemeClr val="accent1"/>
-          </a:fillRef>
-          <a:effectRef idx="0">
-            <a:schemeClr val="accent1"/>
-          </a:effectRef>
-          <a:fontRef idx="minor">
-            <a:schemeClr val="lt1"/>
-          </a:fontRef>
-        </p:style>
-        <p:txBody>
-          <a:bodyPr rot="0" spcFirstLastPara="0" vertOverflow="overflow" horzOverflow="overflow" vert="horz" wrap="square" lIns="91440" tIns="45720" rIns="91440" bIns="45720" numCol="1" spcCol="0" rtlCol="0" fromWordArt="0" anchor="ctr" anchorCtr="0" forceAA="0" compatLnSpc="1">
-            <a:prstTxWarp prst="textNoShape">
+            </a:fontRef>
+          </p:style>
+        </p:cxnSp>
+        <p:cxnSp>
+          <p:nvCxnSpPr>
+            <p:cNvPr id="6" name="Straight Arrow Connector 5"/>
+            <p:cNvCxnSpPr>
+              <a:stCxn id="12" idx="3"/>
+              <a:endCxn id="4" idx="2"/>
+            </p:cNvCxnSpPr>
+            <p:nvPr/>
+          </p:nvCxnSpPr>
+          <p:spPr>
+            <a:xfrm flipV="1">
+              <a:off x="3210480" y="1578398"/>
+              <a:ext cx="2736651" cy="2255214"/>
+            </a:xfrm>
+            <a:prstGeom prst="straightConnector1">
               <a:avLst/>
-            </a:prstTxWarp>
-            <a:noAutofit/>
-          </a:bodyPr>
-          <a:lstStyle/>
-          <a:p>
-            <a:pPr algn="ctr"/>
-            <a:r>
-              <a:rPr lang="en-US" sz="2000" dirty="0" smtClean="0">
-                <a:solidFill>
-                  <a:schemeClr val="tx1"/>
-                </a:solidFill>
-                <a:latin typeface="Times New Roman" panose="02020603050405020304" pitchFamily="18" charset="0"/>
-                <a:cs typeface="Times New Roman" panose="02020603050405020304" pitchFamily="18" charset="0"/>
-              </a:rPr>
-              <a:t>Face Correction</a:t>
-            </a:r>
-          </a:p>
-        </p:txBody>
-      </p:sp>
-      <p:cxnSp>
-        <p:nvCxnSpPr>
-          <p:cNvPr id="9" name="Straight Arrow Connector 8"/>
-          <p:cNvCxnSpPr>
-            <a:stCxn id="4" idx="4"/>
-            <a:endCxn id="5" idx="0"/>
-          </p:cNvCxnSpPr>
-          <p:nvPr/>
-        </p:nvCxnSpPr>
-        <p:spPr>
-          <a:xfrm flipH="1">
-            <a:off x="7423214" y="1907545"/>
-            <a:ext cx="2" cy="329148"/>
-          </a:xfrm>
-          <a:prstGeom prst="straightConnector1">
-            <a:avLst/>
-          </a:prstGeom>
-          <a:ln>
-            <a:solidFill>
+            </a:prstGeom>
+            <a:ln>
+              <a:solidFill>
+                <a:schemeClr val="tx1"/>
+              </a:solidFill>
+              <a:tailEnd type="triangle"/>
+            </a:ln>
+          </p:spPr>
+          <p:style>
+            <a:lnRef idx="1">
+              <a:schemeClr val="accent1"/>
+            </a:lnRef>
+            <a:fillRef idx="0">
+              <a:schemeClr val="accent1"/>
+            </a:fillRef>
+            <a:effectRef idx="0">
+              <a:schemeClr val="accent1"/>
+            </a:effectRef>
+            <a:fontRef idx="minor">
               <a:schemeClr val="tx1"/>
-            </a:solidFill>
-            <a:tailEnd type="triangle"/>
-          </a:ln>
-        </p:spPr>
-        <p:style>
-          <a:lnRef idx="1">
-            <a:schemeClr val="accent1"/>
-          </a:lnRef>
-          <a:fillRef idx="0">
-            <a:schemeClr val="accent1"/>
-          </a:fillRef>
-          <a:effectRef idx="0">
-            <a:schemeClr val="accent1"/>
-          </a:effectRef>
-          <a:fontRef idx="minor">
-            <a:schemeClr val="tx1"/>
-          </a:fontRef>
-        </p:style>
-      </p:cxnSp>
-      <p:cxnSp>
-        <p:nvCxnSpPr>
-          <p:cNvPr id="11" name="Straight Arrow Connector 10"/>
-          <p:cNvCxnSpPr/>
-          <p:nvPr/>
-        </p:nvCxnSpPr>
-        <p:spPr>
-          <a:xfrm>
-            <a:off x="7435925" y="3026315"/>
-            <a:ext cx="0" cy="356369"/>
-          </a:xfrm>
-          <a:prstGeom prst="straightConnector1">
-            <a:avLst/>
-          </a:prstGeom>
-          <a:ln>
-            <a:solidFill>
+            </a:fontRef>
+          </p:style>
+        </p:cxnSp>
+        <p:cxnSp>
+          <p:nvCxnSpPr>
+            <p:cNvPr id="17" name="Straight Arrow Connector 16"/>
+            <p:cNvCxnSpPr>
+              <a:stCxn id="12" idx="3"/>
+              <a:endCxn id="18" idx="2"/>
+            </p:cNvCxnSpPr>
+            <p:nvPr/>
+          </p:nvCxnSpPr>
+          <p:spPr>
+            <a:xfrm>
+              <a:off x="3210480" y="3833612"/>
+              <a:ext cx="2736646" cy="2199403"/>
+            </a:xfrm>
+            <a:prstGeom prst="straightConnector1">
+              <a:avLst/>
+            </a:prstGeom>
+            <a:ln>
+              <a:solidFill>
+                <a:schemeClr val="tx1"/>
+              </a:solidFill>
+              <a:tailEnd type="triangle"/>
+            </a:ln>
+          </p:spPr>
+          <p:style>
+            <a:lnRef idx="1">
+              <a:schemeClr val="accent1"/>
+            </a:lnRef>
+            <a:fillRef idx="0">
+              <a:schemeClr val="accent1"/>
+            </a:fillRef>
+            <a:effectRef idx="0">
+              <a:schemeClr val="accent1"/>
+            </a:effectRef>
+            <a:fontRef idx="minor">
               <a:schemeClr val="tx1"/>
-            </a:solidFill>
-            <a:tailEnd type="triangle"/>
-          </a:ln>
-        </p:spPr>
-        <p:style>
-          <a:lnRef idx="1">
-            <a:schemeClr val="accent1"/>
-          </a:lnRef>
-          <a:fillRef idx="0">
-            <a:schemeClr val="accent1"/>
-          </a:fillRef>
-          <a:effectRef idx="0">
-            <a:schemeClr val="accent1"/>
-          </a:effectRef>
-          <a:fontRef idx="minor">
-            <a:schemeClr val="tx1"/>
-          </a:fontRef>
-        </p:style>
-      </p:cxnSp>
-      <p:sp>
-        <p:nvSpPr>
-          <p:cNvPr id="12" name="Rounded Rectangle 11"/>
-          <p:cNvSpPr/>
-          <p:nvPr/>
-        </p:nvSpPr>
-        <p:spPr>
-          <a:xfrm>
-            <a:off x="838200" y="3382684"/>
-            <a:ext cx="2372280" cy="901856"/>
-          </a:xfrm>
-          <a:prstGeom prst="roundRect">
-            <a:avLst/>
-          </a:prstGeom>
-          <a:solidFill>
-            <a:schemeClr val="bg1"/>
-          </a:solidFill>
-          <a:ln>
-            <a:solidFill>
+            </a:fontRef>
+          </p:style>
+        </p:cxnSp>
+        <p:cxnSp>
+          <p:nvCxnSpPr>
+            <p:cNvPr id="20" name="Straight Arrow Connector 19"/>
+            <p:cNvCxnSpPr>
+              <a:endCxn id="5" idx="2"/>
+            </p:cNvCxnSpPr>
+            <p:nvPr/>
+          </p:nvCxnSpPr>
+          <p:spPr>
+            <a:xfrm flipV="1">
+              <a:off x="3223193" y="2631506"/>
+              <a:ext cx="2723934" cy="1200322"/>
+            </a:xfrm>
+            <a:prstGeom prst="straightConnector1">
+              <a:avLst/>
+            </a:prstGeom>
+            <a:ln>
+              <a:solidFill>
+                <a:schemeClr val="tx1"/>
+              </a:solidFill>
+              <a:tailEnd type="triangle"/>
+            </a:ln>
+          </p:spPr>
+          <p:style>
+            <a:lnRef idx="1">
+              <a:schemeClr val="accent1"/>
+            </a:lnRef>
+            <a:fillRef idx="0">
+              <a:schemeClr val="accent1"/>
+            </a:fillRef>
+            <a:effectRef idx="0">
+              <a:schemeClr val="accent1"/>
+            </a:effectRef>
+            <a:fontRef idx="minor">
               <a:schemeClr val="tx1"/>
-            </a:solidFill>
-          </a:ln>
-        </p:spPr>
-        <p:style>
-          <a:lnRef idx="2">
-            <a:schemeClr val="accent1">
-              <a:shade val="50000"/>
-            </a:schemeClr>
-          </a:lnRef>
-          <a:fillRef idx="1">
-            <a:schemeClr val="accent1"/>
-          </a:fillRef>
-          <a:effectRef idx="0">
-            <a:schemeClr val="accent1"/>
-          </a:effectRef>
-          <a:fontRef idx="minor">
-            <a:schemeClr val="lt1"/>
-          </a:fontRef>
-        </p:style>
-        <p:txBody>
-          <a:bodyPr rot="0" spcFirstLastPara="0" vertOverflow="overflow" horzOverflow="overflow" vert="horz" wrap="square" lIns="91440" tIns="45720" rIns="91440" bIns="45720" numCol="1" spcCol="0" rtlCol="0" fromWordArt="0" anchor="ctr" anchorCtr="0" forceAA="0" compatLnSpc="1">
-            <a:prstTxWarp prst="textNoShape">
+            </a:fontRef>
+          </p:style>
+        </p:cxnSp>
+        <p:cxnSp>
+          <p:nvCxnSpPr>
+            <p:cNvPr id="22" name="Straight Arrow Connector 21"/>
+            <p:cNvCxnSpPr>
+              <a:endCxn id="7" idx="2"/>
+            </p:cNvCxnSpPr>
+            <p:nvPr/>
+          </p:nvCxnSpPr>
+          <p:spPr>
+            <a:xfrm flipV="1">
+              <a:off x="3210477" y="3742808"/>
+              <a:ext cx="2736647" cy="87236"/>
+            </a:xfrm>
+            <a:prstGeom prst="straightConnector1">
               <a:avLst/>
-            </a:prstTxWarp>
-            <a:noAutofit/>
-          </a:bodyPr>
-          <a:lstStyle/>
-          <a:p>
-            <a:pPr algn="ctr"/>
-            <a:r>
-              <a:rPr lang="en-US" sz="2000" dirty="0" smtClean="0">
-                <a:solidFill>
-                  <a:schemeClr val="tx1"/>
-                </a:solidFill>
-                <a:latin typeface="Times New Roman" panose="02020603050405020304" pitchFamily="18" charset="0"/>
-                <a:cs typeface="Times New Roman" panose="02020603050405020304" pitchFamily="18" charset="0"/>
-              </a:rPr>
-              <a:t>Input</a:t>
-            </a:r>
-          </a:p>
-        </p:txBody>
-      </p:sp>
-      <p:sp>
-        <p:nvSpPr>
-          <p:cNvPr id="38" name="Oval 37"/>
-          <p:cNvSpPr/>
-          <p:nvPr/>
-        </p:nvSpPr>
-        <p:spPr>
-          <a:xfrm>
-            <a:off x="5947123" y="4567084"/>
-            <a:ext cx="2952169" cy="631487"/>
-          </a:xfrm>
-          <a:prstGeom prst="ellipse">
-            <a:avLst/>
-          </a:prstGeom>
-          <a:solidFill>
-            <a:schemeClr val="bg1"/>
-          </a:solidFill>
-          <a:ln>
-            <a:solidFill>
+            </a:prstGeom>
+            <a:ln>
+              <a:solidFill>
+                <a:schemeClr val="tx1"/>
+              </a:solidFill>
+              <a:tailEnd type="triangle"/>
+            </a:ln>
+          </p:spPr>
+          <p:style>
+            <a:lnRef idx="1">
+              <a:schemeClr val="accent1"/>
+            </a:lnRef>
+            <a:fillRef idx="0">
+              <a:schemeClr val="accent1"/>
+            </a:fillRef>
+            <a:effectRef idx="0">
+              <a:schemeClr val="accent1"/>
+            </a:effectRef>
+            <a:fontRef idx="minor">
               <a:schemeClr val="tx1"/>
-            </a:solidFill>
-          </a:ln>
-        </p:spPr>
-        <p:style>
-          <a:lnRef idx="2">
-            <a:schemeClr val="accent1">
-              <a:shade val="50000"/>
-            </a:schemeClr>
-          </a:lnRef>
-          <a:fillRef idx="1">
-            <a:schemeClr val="accent1"/>
-          </a:fillRef>
-          <a:effectRef idx="0">
-            <a:schemeClr val="accent1"/>
-          </a:effectRef>
-          <a:fontRef idx="minor">
-            <a:schemeClr val="lt1"/>
-          </a:fontRef>
-        </p:style>
-        <p:txBody>
-          <a:bodyPr rot="0" spcFirstLastPara="0" vertOverflow="overflow" horzOverflow="overflow" vert="horz" wrap="square" lIns="91440" tIns="45720" rIns="91440" bIns="45720" numCol="1" spcCol="0" rtlCol="0" fromWordArt="0" anchor="ctr" anchorCtr="0" forceAA="0" compatLnSpc="1">
-            <a:prstTxWarp prst="textNoShape">
+            </a:fontRef>
+          </p:style>
+        </p:cxnSp>
+        <p:cxnSp>
+          <p:nvCxnSpPr>
+            <p:cNvPr id="26" name="Straight Arrow Connector 25"/>
+            <p:cNvCxnSpPr>
+              <a:stCxn id="12" idx="3"/>
+              <a:endCxn id="38" idx="2"/>
+            </p:cNvCxnSpPr>
+            <p:nvPr/>
+          </p:nvCxnSpPr>
+          <p:spPr>
+            <a:xfrm>
+              <a:off x="3210480" y="3833612"/>
+              <a:ext cx="2736643" cy="1049216"/>
+            </a:xfrm>
+            <a:prstGeom prst="straightConnector1">
               <a:avLst/>
-            </a:prstTxWarp>
-            <a:noAutofit/>
-          </a:bodyPr>
-          <a:lstStyle/>
-          <a:p>
-            <a:pPr algn="ctr"/>
-            <a:r>
-              <a:rPr lang="en-US" sz="2000" dirty="0" smtClean="0">
-                <a:solidFill>
-                  <a:schemeClr val="tx1"/>
-                </a:solidFill>
-                <a:latin typeface="Times New Roman" panose="02020603050405020304" pitchFamily="18" charset="0"/>
-                <a:cs typeface="Times New Roman" panose="02020603050405020304" pitchFamily="18" charset="0"/>
-              </a:rPr>
-              <a:t>Contour Line Extraction</a:t>
-            </a:r>
-          </a:p>
-        </p:txBody>
-      </p:sp>
-      <p:cxnSp>
-        <p:nvCxnSpPr>
-          <p:cNvPr id="52" name="Straight Arrow Connector 51"/>
-          <p:cNvCxnSpPr/>
-          <p:nvPr/>
-        </p:nvCxnSpPr>
-        <p:spPr>
-          <a:xfrm>
-            <a:off x="7423207" y="4092757"/>
-            <a:ext cx="0" cy="474327"/>
-          </a:xfrm>
-          <a:prstGeom prst="straightConnector1">
-            <a:avLst/>
-          </a:prstGeom>
-          <a:ln>
-            <a:solidFill>
+            </a:prstGeom>
+            <a:ln>
+              <a:solidFill>
+                <a:schemeClr val="tx1"/>
+              </a:solidFill>
+              <a:tailEnd type="triangle"/>
+            </a:ln>
+          </p:spPr>
+          <p:style>
+            <a:lnRef idx="1">
+              <a:schemeClr val="accent1"/>
+            </a:lnRef>
+            <a:fillRef idx="0">
+              <a:schemeClr val="accent1"/>
+            </a:fillRef>
+            <a:effectRef idx="0">
+              <a:schemeClr val="accent1"/>
+            </a:effectRef>
+            <a:fontRef idx="minor">
               <a:schemeClr val="tx1"/>
-            </a:solidFill>
-            <a:tailEnd type="triangle"/>
-          </a:ln>
-        </p:spPr>
-        <p:style>
-          <a:lnRef idx="1">
-            <a:schemeClr val="accent1"/>
-          </a:lnRef>
-          <a:fillRef idx="0">
-            <a:schemeClr val="accent1"/>
-          </a:fillRef>
-          <a:effectRef idx="0">
-            <a:schemeClr val="accent1"/>
-          </a:effectRef>
-          <a:fontRef idx="minor">
-            <a:schemeClr val="tx1"/>
-          </a:fontRef>
-        </p:style>
-      </p:cxnSp>
-      <p:sp>
-        <p:nvSpPr>
-          <p:cNvPr id="18" name="Oval 17"/>
-          <p:cNvSpPr/>
-          <p:nvPr/>
-        </p:nvSpPr>
-        <p:spPr>
-          <a:xfrm>
-            <a:off x="5947126" y="5703867"/>
-            <a:ext cx="2952169" cy="658295"/>
-          </a:xfrm>
-          <a:prstGeom prst="ellipse">
-            <a:avLst/>
-          </a:prstGeom>
-          <a:solidFill>
-            <a:schemeClr val="bg1"/>
-          </a:solidFill>
-          <a:ln>
-            <a:solidFill>
-              <a:schemeClr val="tx1"/>
-            </a:solidFill>
-          </a:ln>
-        </p:spPr>
-        <p:style>
-          <a:lnRef idx="2">
-            <a:schemeClr val="accent1">
-              <a:shade val="50000"/>
-            </a:schemeClr>
-          </a:lnRef>
-          <a:fillRef idx="1">
-            <a:schemeClr val="accent1"/>
-          </a:fillRef>
-          <a:effectRef idx="0">
-            <a:schemeClr val="accent1"/>
-          </a:effectRef>
-          <a:fontRef idx="minor">
-            <a:schemeClr val="lt1"/>
-          </a:fontRef>
-        </p:style>
-        <p:txBody>
-          <a:bodyPr rot="0" spcFirstLastPara="0" vertOverflow="overflow" horzOverflow="overflow" vert="horz" wrap="square" lIns="91440" tIns="45720" rIns="91440" bIns="45720" numCol="1" spcCol="0" rtlCol="0" fromWordArt="0" anchor="ctr" anchorCtr="0" forceAA="0" compatLnSpc="1">
-            <a:prstTxWarp prst="textNoShape">
-              <a:avLst/>
-            </a:prstTxWarp>
-            <a:noAutofit/>
-          </a:bodyPr>
-          <a:lstStyle/>
-          <a:p>
-            <a:pPr algn="ctr"/>
-            <a:r>
-              <a:rPr lang="en-US" sz="2000" dirty="0" smtClean="0">
-                <a:solidFill>
-                  <a:schemeClr val="tx1"/>
-                </a:solidFill>
-                <a:latin typeface="Times New Roman" panose="02020603050405020304" pitchFamily="18" charset="0"/>
-                <a:cs typeface="Times New Roman" panose="02020603050405020304" pitchFamily="18" charset="0"/>
-              </a:rPr>
-              <a:t>Validation</a:t>
-            </a:r>
-          </a:p>
-        </p:txBody>
-      </p:sp>
-      <p:cxnSp>
-        <p:nvCxnSpPr>
-          <p:cNvPr id="19" name="Straight Arrow Connector 18"/>
-          <p:cNvCxnSpPr/>
-          <p:nvPr/>
-        </p:nvCxnSpPr>
-        <p:spPr>
-          <a:xfrm>
-            <a:off x="7423208" y="5211797"/>
-            <a:ext cx="0" cy="515501"/>
-          </a:xfrm>
-          <a:prstGeom prst="straightConnector1">
-            <a:avLst/>
-          </a:prstGeom>
-          <a:ln>
-            <a:solidFill>
-              <a:schemeClr val="tx1"/>
-            </a:solidFill>
-            <a:tailEnd type="triangle"/>
-          </a:ln>
-        </p:spPr>
-        <p:style>
-          <a:lnRef idx="1">
-            <a:schemeClr val="accent1"/>
-          </a:lnRef>
-          <a:fillRef idx="0">
-            <a:schemeClr val="accent1"/>
-          </a:fillRef>
-          <a:effectRef idx="0">
-            <a:schemeClr val="accent1"/>
-          </a:effectRef>
-          <a:fontRef idx="minor">
-            <a:schemeClr val="tx1"/>
-          </a:fontRef>
-        </p:style>
-      </p:cxnSp>
-      <p:cxnSp>
-        <p:nvCxnSpPr>
-          <p:cNvPr id="6" name="Straight Arrow Connector 5"/>
-          <p:cNvCxnSpPr>
-            <a:stCxn id="12" idx="3"/>
-            <a:endCxn id="4" idx="2"/>
-          </p:cNvCxnSpPr>
-          <p:nvPr/>
-        </p:nvCxnSpPr>
-        <p:spPr>
-          <a:xfrm flipV="1">
-            <a:off x="3210480" y="1578398"/>
-            <a:ext cx="2736651" cy="2255214"/>
-          </a:xfrm>
-          <a:prstGeom prst="straightConnector1">
-            <a:avLst/>
-          </a:prstGeom>
-          <a:ln>
-            <a:solidFill>
-              <a:schemeClr val="tx1"/>
-            </a:solidFill>
-            <a:tailEnd type="triangle"/>
-          </a:ln>
-        </p:spPr>
-        <p:style>
-          <a:lnRef idx="1">
-            <a:schemeClr val="accent1"/>
-          </a:lnRef>
-          <a:fillRef idx="0">
-            <a:schemeClr val="accent1"/>
-          </a:fillRef>
-          <a:effectRef idx="0">
-            <a:schemeClr val="accent1"/>
-          </a:effectRef>
-          <a:fontRef idx="minor">
-            <a:schemeClr val="tx1"/>
-          </a:fontRef>
-        </p:style>
-      </p:cxnSp>
-      <p:cxnSp>
-        <p:nvCxnSpPr>
-          <p:cNvPr id="17" name="Straight Arrow Connector 16"/>
-          <p:cNvCxnSpPr>
-            <a:stCxn id="12" idx="3"/>
-            <a:endCxn id="18" idx="2"/>
-          </p:cNvCxnSpPr>
-          <p:nvPr/>
-        </p:nvCxnSpPr>
-        <p:spPr>
-          <a:xfrm>
-            <a:off x="3210480" y="3833612"/>
-            <a:ext cx="2736646" cy="2199403"/>
-          </a:xfrm>
-          <a:prstGeom prst="straightConnector1">
-            <a:avLst/>
-          </a:prstGeom>
-          <a:ln>
-            <a:solidFill>
-              <a:schemeClr val="tx1"/>
-            </a:solidFill>
-            <a:tailEnd type="triangle"/>
-          </a:ln>
-        </p:spPr>
-        <p:style>
-          <a:lnRef idx="1">
-            <a:schemeClr val="accent1"/>
-          </a:lnRef>
-          <a:fillRef idx="0">
-            <a:schemeClr val="accent1"/>
-          </a:fillRef>
-          <a:effectRef idx="0">
-            <a:schemeClr val="accent1"/>
-          </a:effectRef>
-          <a:fontRef idx="minor">
-            <a:schemeClr val="tx1"/>
-          </a:fontRef>
-        </p:style>
-      </p:cxnSp>
-      <p:cxnSp>
-        <p:nvCxnSpPr>
-          <p:cNvPr id="20" name="Straight Arrow Connector 19"/>
-          <p:cNvCxnSpPr>
-            <a:endCxn id="5" idx="2"/>
-          </p:cNvCxnSpPr>
-          <p:nvPr/>
-        </p:nvCxnSpPr>
-        <p:spPr>
-          <a:xfrm flipV="1">
-            <a:off x="3223193" y="2631506"/>
-            <a:ext cx="2723934" cy="1200322"/>
-          </a:xfrm>
-          <a:prstGeom prst="straightConnector1">
-            <a:avLst/>
-          </a:prstGeom>
-          <a:ln>
-            <a:solidFill>
-              <a:schemeClr val="tx1"/>
-            </a:solidFill>
-            <a:tailEnd type="triangle"/>
-          </a:ln>
-        </p:spPr>
-        <p:style>
-          <a:lnRef idx="1">
-            <a:schemeClr val="accent1"/>
-          </a:lnRef>
-          <a:fillRef idx="0">
-            <a:schemeClr val="accent1"/>
-          </a:fillRef>
-          <a:effectRef idx="0">
-            <a:schemeClr val="accent1"/>
-          </a:effectRef>
-          <a:fontRef idx="minor">
-            <a:schemeClr val="tx1"/>
-          </a:fontRef>
-        </p:style>
-      </p:cxnSp>
-      <p:cxnSp>
-        <p:nvCxnSpPr>
-          <p:cNvPr id="22" name="Straight Arrow Connector 21"/>
-          <p:cNvCxnSpPr>
-            <a:endCxn id="7" idx="2"/>
-          </p:cNvCxnSpPr>
-          <p:nvPr/>
-        </p:nvCxnSpPr>
-        <p:spPr>
-          <a:xfrm flipV="1">
-            <a:off x="3210477" y="3742808"/>
-            <a:ext cx="2736647" cy="87236"/>
-          </a:xfrm>
-          <a:prstGeom prst="straightConnector1">
-            <a:avLst/>
-          </a:prstGeom>
-          <a:ln>
-            <a:solidFill>
-              <a:schemeClr val="tx1"/>
-            </a:solidFill>
-            <a:tailEnd type="triangle"/>
-          </a:ln>
-        </p:spPr>
-        <p:style>
-          <a:lnRef idx="1">
-            <a:schemeClr val="accent1"/>
-          </a:lnRef>
-          <a:fillRef idx="0">
-            <a:schemeClr val="accent1"/>
-          </a:fillRef>
-          <a:effectRef idx="0">
-            <a:schemeClr val="accent1"/>
-          </a:effectRef>
-          <a:fontRef idx="minor">
-            <a:schemeClr val="tx1"/>
-          </a:fontRef>
-        </p:style>
-      </p:cxnSp>
-      <p:cxnSp>
-        <p:nvCxnSpPr>
-          <p:cNvPr id="26" name="Straight Arrow Connector 25"/>
-          <p:cNvCxnSpPr>
-            <a:stCxn id="12" idx="3"/>
-            <a:endCxn id="38" idx="2"/>
-          </p:cNvCxnSpPr>
-          <p:nvPr/>
-        </p:nvCxnSpPr>
-        <p:spPr>
-          <a:xfrm>
-            <a:off x="3210480" y="3833612"/>
-            <a:ext cx="2736643" cy="1049216"/>
-          </a:xfrm>
-          <a:prstGeom prst="straightConnector1">
-            <a:avLst/>
-          </a:prstGeom>
-          <a:ln>
-            <a:solidFill>
-              <a:schemeClr val="tx1"/>
-            </a:solidFill>
-            <a:tailEnd type="triangle"/>
-          </a:ln>
-        </p:spPr>
-        <p:style>
-          <a:lnRef idx="1">
-            <a:schemeClr val="accent1"/>
-          </a:lnRef>
-          <a:fillRef idx="0">
-            <a:schemeClr val="accent1"/>
-          </a:fillRef>
-          <a:effectRef idx="0">
-            <a:schemeClr val="accent1"/>
-          </a:effectRef>
-          <a:fontRef idx="minor">
-            <a:schemeClr val="tx1"/>
-          </a:fontRef>
-        </p:style>
-      </p:cxnSp>
+            </a:fontRef>
+          </p:style>
+        </p:cxnSp>
+      </p:grpSp>
     </p:spTree>
     <p:extLst>
       <p:ext uri="{BB962C8B-B14F-4D97-AF65-F5344CB8AC3E}">
@@ -8942,8 +8949,8 @@
         </p:blipFill>
         <p:spPr>
           <a:xfrm>
-            <a:off x="2305317" y="1171978"/>
-            <a:ext cx="7620895" cy="5357611"/>
+            <a:off x="2305317" y="976036"/>
+            <a:ext cx="7620895" cy="5553554"/>
           </a:xfrm>
           <a:prstGeom prst="rect">
             <a:avLst/>
@@ -9048,13 +9055,13 @@
         </p:nvPicPr>
         <p:blipFill rotWithShape="1">
           <a:blip r:embed="rId2"/>
-          <a:srcRect l="2693" t="953" r="2610" b="10521"/>
+          <a:srcRect l="7028" t="18283" r="7988" b="10521"/>
           <a:stretch/>
         </p:blipFill>
         <p:spPr>
           <a:xfrm>
-            <a:off x="1596979" y="927278"/>
-            <a:ext cx="8474300" cy="5630777"/>
+            <a:off x="1581802" y="981308"/>
+            <a:ext cx="9028396" cy="5376026"/>
           </a:xfrm>
           <a:prstGeom prst="rect">
             <a:avLst/>
